--- a/oouchi/20181101_oouchi.pptx
+++ b/oouchi/20181101_oouchi.pptx
@@ -115,6 +115,9 @@
   <p:extLst>
     <p:ext uri="{EFAFB233-063F-42B5-8137-9DF3F51BA10A}">
       <p15:sldGuideLst xmlns:p15="http://schemas.microsoft.com/office/powerpoint/2012/main"/>
+    </p:ext>
+    <p:ext uri="{2D200454-40CA-4A62-9FC3-DE9A4176ACB9}">
+      <p15:notesGuideLst xmlns:p15="http://schemas.microsoft.com/office/powerpoint/2012/main"/>
     </p:ext>
   </p:extLst>
 </p:presentation>
@@ -4664,8 +4667,13 @@
           <a:p>
             <a:r>
               <a:rPr lang="ja-JP" altLang="en-US" dirty="0"/>
-              <a:t>　https://github.com/mkkrf137/TopSE_Kaggle2018.git</a:t>
-            </a:r>
+              <a:t>　</a:t>
+            </a:r>
+            <a:r>
+              <a:rPr lang="en-US" altLang="ja-JP" dirty="0"/>
+              <a:t>https://github.com/topse2018-kaggle/team</a:t>
+            </a:r>
+            <a:endParaRPr lang="ja-JP" altLang="en-US" dirty="0"/>
           </a:p>
         </p:txBody>
       </p:sp>
